--- a/사진정리.pptx
+++ b/사진정리.pptx
@@ -112,6 +112,11 @@
       </a:defRPr>
     </a:lvl9pPr>
   </p:defaultTextStyle>
+  <p:extLst>
+    <p:ext uri="{EFAFB233-063F-42B5-8137-9DF3F51BA10A}">
+      <p15:sldGuideLst xmlns:p15="http://schemas.microsoft.com/office/powerpoint/2012/main"/>
+    </p:ext>
+  </p:extLst>
 </p:presentation>
 </file>
 
@@ -157,10 +162,9 @@
           </a:lstStyle>
           <a:p>
             <a:r>
-              <a:rPr lang="ko-KR" altLang="en-US" smtClean="0"/>
+              <a:rPr lang="ko-KR" altLang="en-US"/>
               <a:t>마스터 제목 스타일 편집</a:t>
             </a:r>
-            <a:endParaRPr lang="ko-KR" altLang="en-US"/>
           </a:p>
         </p:txBody>
       </p:sp>
@@ -222,10 +226,9 @@
           </a:lstStyle>
           <a:p>
             <a:r>
-              <a:rPr lang="ko-KR" altLang="en-US" smtClean="0"/>
+              <a:rPr lang="ko-KR" altLang="en-US"/>
               <a:t>클릭하여 마스터 부제목 스타일 편집</a:t>
             </a:r>
-            <a:endParaRPr lang="ko-KR" altLang="en-US"/>
           </a:p>
         </p:txBody>
       </p:sp>
@@ -246,7 +249,7 @@
           <a:p>
             <a:fld id="{49868E40-68B2-4524-8AD1-20964141A387}" type="datetimeFigureOut">
               <a:rPr lang="ko-KR" altLang="en-US" smtClean="0"/>
-              <a:t>2022-12-06</a:t>
+              <a:t>2022-12-26</a:t>
             </a:fld>
             <a:endParaRPr lang="ko-KR" altLang="en-US"/>
           </a:p>
@@ -340,10 +343,9 @@
           <a:lstStyle/>
           <a:p>
             <a:r>
-              <a:rPr lang="ko-KR" altLang="en-US" smtClean="0"/>
+              <a:rPr lang="ko-KR" altLang="en-US"/>
               <a:t>마스터 제목 스타일 편집</a:t>
             </a:r>
-            <a:endParaRPr lang="ko-KR" altLang="en-US"/>
           </a:p>
         </p:txBody>
       </p:sp>
@@ -364,38 +366,37 @@
           <a:p>
             <a:pPr lvl="0"/>
             <a:r>
-              <a:rPr lang="ko-KR" altLang="en-US" smtClean="0"/>
+              <a:rPr lang="ko-KR" altLang="en-US"/>
               <a:t>마스터 텍스트 스타일 편집</a:t>
             </a:r>
           </a:p>
           <a:p>
             <a:pPr lvl="1"/>
             <a:r>
-              <a:rPr lang="ko-KR" altLang="en-US" smtClean="0"/>
+              <a:rPr lang="ko-KR" altLang="en-US"/>
               <a:t>둘째 수준</a:t>
             </a:r>
           </a:p>
           <a:p>
             <a:pPr lvl="2"/>
             <a:r>
-              <a:rPr lang="ko-KR" altLang="en-US" smtClean="0"/>
+              <a:rPr lang="ko-KR" altLang="en-US"/>
               <a:t>셋째 수준</a:t>
             </a:r>
           </a:p>
           <a:p>
             <a:pPr lvl="3"/>
             <a:r>
-              <a:rPr lang="ko-KR" altLang="en-US" smtClean="0"/>
+              <a:rPr lang="ko-KR" altLang="en-US"/>
               <a:t>넷째 수준</a:t>
             </a:r>
           </a:p>
           <a:p>
             <a:pPr lvl="4"/>
             <a:r>
-              <a:rPr lang="ko-KR" altLang="en-US" smtClean="0"/>
+              <a:rPr lang="ko-KR" altLang="en-US"/>
               <a:t>다섯째 수준</a:t>
             </a:r>
-            <a:endParaRPr lang="ko-KR" altLang="en-US"/>
           </a:p>
         </p:txBody>
       </p:sp>
@@ -416,7 +417,7 @@
           <a:p>
             <a:fld id="{49868E40-68B2-4524-8AD1-20964141A387}" type="datetimeFigureOut">
               <a:rPr lang="ko-KR" altLang="en-US" smtClean="0"/>
-              <a:t>2022-12-06</a:t>
+              <a:t>2022-12-26</a:t>
             </a:fld>
             <a:endParaRPr lang="ko-KR" altLang="en-US"/>
           </a:p>
@@ -515,10 +516,9 @@
           <a:lstStyle/>
           <a:p>
             <a:r>
-              <a:rPr lang="ko-KR" altLang="en-US" smtClean="0"/>
+              <a:rPr lang="ko-KR" altLang="en-US"/>
               <a:t>마스터 제목 스타일 편집</a:t>
             </a:r>
-            <a:endParaRPr lang="ko-KR" altLang="en-US"/>
           </a:p>
         </p:txBody>
       </p:sp>
@@ -544,38 +544,37 @@
           <a:p>
             <a:pPr lvl="0"/>
             <a:r>
-              <a:rPr lang="ko-KR" altLang="en-US" smtClean="0"/>
+              <a:rPr lang="ko-KR" altLang="en-US"/>
               <a:t>마스터 텍스트 스타일 편집</a:t>
             </a:r>
           </a:p>
           <a:p>
             <a:pPr lvl="1"/>
             <a:r>
-              <a:rPr lang="ko-KR" altLang="en-US" smtClean="0"/>
+              <a:rPr lang="ko-KR" altLang="en-US"/>
               <a:t>둘째 수준</a:t>
             </a:r>
           </a:p>
           <a:p>
             <a:pPr lvl="2"/>
             <a:r>
-              <a:rPr lang="ko-KR" altLang="en-US" smtClean="0"/>
+              <a:rPr lang="ko-KR" altLang="en-US"/>
               <a:t>셋째 수준</a:t>
             </a:r>
           </a:p>
           <a:p>
             <a:pPr lvl="3"/>
             <a:r>
-              <a:rPr lang="ko-KR" altLang="en-US" smtClean="0"/>
+              <a:rPr lang="ko-KR" altLang="en-US"/>
               <a:t>넷째 수준</a:t>
             </a:r>
           </a:p>
           <a:p>
             <a:pPr lvl="4"/>
             <a:r>
-              <a:rPr lang="ko-KR" altLang="en-US" smtClean="0"/>
+              <a:rPr lang="ko-KR" altLang="en-US"/>
               <a:t>다섯째 수준</a:t>
             </a:r>
-            <a:endParaRPr lang="ko-KR" altLang="en-US"/>
           </a:p>
         </p:txBody>
       </p:sp>
@@ -596,7 +595,7 @@
           <a:p>
             <a:fld id="{49868E40-68B2-4524-8AD1-20964141A387}" type="datetimeFigureOut">
               <a:rPr lang="ko-KR" altLang="en-US" smtClean="0"/>
-              <a:t>2022-12-06</a:t>
+              <a:t>2022-12-26</a:t>
             </a:fld>
             <a:endParaRPr lang="ko-KR" altLang="en-US"/>
           </a:p>
@@ -690,10 +689,9 @@
           <a:lstStyle/>
           <a:p>
             <a:r>
-              <a:rPr lang="ko-KR" altLang="en-US" smtClean="0"/>
+              <a:rPr lang="ko-KR" altLang="en-US"/>
               <a:t>마스터 제목 스타일 편집</a:t>
             </a:r>
-            <a:endParaRPr lang="ko-KR" altLang="en-US"/>
           </a:p>
         </p:txBody>
       </p:sp>
@@ -714,38 +712,37 @@
           <a:p>
             <a:pPr lvl="0"/>
             <a:r>
-              <a:rPr lang="ko-KR" altLang="en-US" smtClean="0"/>
+              <a:rPr lang="ko-KR" altLang="en-US"/>
               <a:t>마스터 텍스트 스타일 편집</a:t>
             </a:r>
           </a:p>
           <a:p>
             <a:pPr lvl="1"/>
             <a:r>
-              <a:rPr lang="ko-KR" altLang="en-US" smtClean="0"/>
+              <a:rPr lang="ko-KR" altLang="en-US"/>
               <a:t>둘째 수준</a:t>
             </a:r>
           </a:p>
           <a:p>
             <a:pPr lvl="2"/>
             <a:r>
-              <a:rPr lang="ko-KR" altLang="en-US" smtClean="0"/>
+              <a:rPr lang="ko-KR" altLang="en-US"/>
               <a:t>셋째 수준</a:t>
             </a:r>
           </a:p>
           <a:p>
             <a:pPr lvl="3"/>
             <a:r>
-              <a:rPr lang="ko-KR" altLang="en-US" smtClean="0"/>
+              <a:rPr lang="ko-KR" altLang="en-US"/>
               <a:t>넷째 수준</a:t>
             </a:r>
           </a:p>
           <a:p>
             <a:pPr lvl="4"/>
             <a:r>
-              <a:rPr lang="ko-KR" altLang="en-US" smtClean="0"/>
+              <a:rPr lang="ko-KR" altLang="en-US"/>
               <a:t>다섯째 수준</a:t>
             </a:r>
-            <a:endParaRPr lang="ko-KR" altLang="en-US"/>
           </a:p>
         </p:txBody>
       </p:sp>
@@ -766,7 +763,7 @@
           <a:p>
             <a:fld id="{49868E40-68B2-4524-8AD1-20964141A387}" type="datetimeFigureOut">
               <a:rPr lang="ko-KR" altLang="en-US" smtClean="0"/>
-              <a:t>2022-12-06</a:t>
+              <a:t>2022-12-26</a:t>
             </a:fld>
             <a:endParaRPr lang="ko-KR" altLang="en-US"/>
           </a:p>
@@ -869,10 +866,9 @@
           </a:lstStyle>
           <a:p>
             <a:r>
-              <a:rPr lang="ko-KR" altLang="en-US" smtClean="0"/>
+              <a:rPr lang="ko-KR" altLang="en-US"/>
               <a:t>마스터 제목 스타일 편집</a:t>
             </a:r>
-            <a:endParaRPr lang="ko-KR" altLang="en-US"/>
           </a:p>
         </p:txBody>
       </p:sp>
@@ -989,7 +985,7 @@
           <a:p>
             <a:pPr lvl="0"/>
             <a:r>
-              <a:rPr lang="ko-KR" altLang="en-US" smtClean="0"/>
+              <a:rPr lang="ko-KR" altLang="en-US"/>
               <a:t>마스터 텍스트 스타일 편집</a:t>
             </a:r>
           </a:p>
@@ -1012,7 +1008,7 @@
           <a:p>
             <a:fld id="{49868E40-68B2-4524-8AD1-20964141A387}" type="datetimeFigureOut">
               <a:rPr lang="ko-KR" altLang="en-US" smtClean="0"/>
-              <a:t>2022-12-06</a:t>
+              <a:t>2022-12-26</a:t>
             </a:fld>
             <a:endParaRPr lang="ko-KR" altLang="en-US"/>
           </a:p>
@@ -1106,10 +1102,9 @@
           <a:lstStyle/>
           <a:p>
             <a:r>
-              <a:rPr lang="ko-KR" altLang="en-US" smtClean="0"/>
+              <a:rPr lang="ko-KR" altLang="en-US"/>
               <a:t>마스터 제목 스타일 편집</a:t>
             </a:r>
-            <a:endParaRPr lang="ko-KR" altLang="en-US"/>
           </a:p>
         </p:txBody>
       </p:sp>
@@ -1135,38 +1130,37 @@
           <a:p>
             <a:pPr lvl="0"/>
             <a:r>
-              <a:rPr lang="ko-KR" altLang="en-US" smtClean="0"/>
+              <a:rPr lang="ko-KR" altLang="en-US"/>
               <a:t>마스터 텍스트 스타일 편집</a:t>
             </a:r>
           </a:p>
           <a:p>
             <a:pPr lvl="1"/>
             <a:r>
-              <a:rPr lang="ko-KR" altLang="en-US" smtClean="0"/>
+              <a:rPr lang="ko-KR" altLang="en-US"/>
               <a:t>둘째 수준</a:t>
             </a:r>
           </a:p>
           <a:p>
             <a:pPr lvl="2"/>
             <a:r>
-              <a:rPr lang="ko-KR" altLang="en-US" smtClean="0"/>
+              <a:rPr lang="ko-KR" altLang="en-US"/>
               <a:t>셋째 수준</a:t>
             </a:r>
           </a:p>
           <a:p>
             <a:pPr lvl="3"/>
             <a:r>
-              <a:rPr lang="ko-KR" altLang="en-US" smtClean="0"/>
+              <a:rPr lang="ko-KR" altLang="en-US"/>
               <a:t>넷째 수준</a:t>
             </a:r>
           </a:p>
           <a:p>
             <a:pPr lvl="4"/>
             <a:r>
-              <a:rPr lang="ko-KR" altLang="en-US" smtClean="0"/>
+              <a:rPr lang="ko-KR" altLang="en-US"/>
               <a:t>다섯째 수준</a:t>
             </a:r>
-            <a:endParaRPr lang="ko-KR" altLang="en-US"/>
           </a:p>
         </p:txBody>
       </p:sp>
@@ -1192,38 +1186,37 @@
           <a:p>
             <a:pPr lvl="0"/>
             <a:r>
-              <a:rPr lang="ko-KR" altLang="en-US" smtClean="0"/>
+              <a:rPr lang="ko-KR" altLang="en-US"/>
               <a:t>마스터 텍스트 스타일 편집</a:t>
             </a:r>
           </a:p>
           <a:p>
             <a:pPr lvl="1"/>
             <a:r>
-              <a:rPr lang="ko-KR" altLang="en-US" smtClean="0"/>
+              <a:rPr lang="ko-KR" altLang="en-US"/>
               <a:t>둘째 수준</a:t>
             </a:r>
           </a:p>
           <a:p>
             <a:pPr lvl="2"/>
             <a:r>
-              <a:rPr lang="ko-KR" altLang="en-US" smtClean="0"/>
+              <a:rPr lang="ko-KR" altLang="en-US"/>
               <a:t>셋째 수준</a:t>
             </a:r>
           </a:p>
           <a:p>
             <a:pPr lvl="3"/>
             <a:r>
-              <a:rPr lang="ko-KR" altLang="en-US" smtClean="0"/>
+              <a:rPr lang="ko-KR" altLang="en-US"/>
               <a:t>넷째 수준</a:t>
             </a:r>
           </a:p>
           <a:p>
             <a:pPr lvl="4"/>
             <a:r>
-              <a:rPr lang="ko-KR" altLang="en-US" smtClean="0"/>
+              <a:rPr lang="ko-KR" altLang="en-US"/>
               <a:t>다섯째 수준</a:t>
             </a:r>
-            <a:endParaRPr lang="ko-KR" altLang="en-US"/>
           </a:p>
         </p:txBody>
       </p:sp>
@@ -1244,7 +1237,7 @@
           <a:p>
             <a:fld id="{49868E40-68B2-4524-8AD1-20964141A387}" type="datetimeFigureOut">
               <a:rPr lang="ko-KR" altLang="en-US" smtClean="0"/>
-              <a:t>2022-12-06</a:t>
+              <a:t>2022-12-26</a:t>
             </a:fld>
             <a:endParaRPr lang="ko-KR" altLang="en-US"/>
           </a:p>
@@ -1343,10 +1336,9 @@
           <a:lstStyle/>
           <a:p>
             <a:r>
-              <a:rPr lang="ko-KR" altLang="en-US" smtClean="0"/>
+              <a:rPr lang="ko-KR" altLang="en-US"/>
               <a:t>마스터 제목 스타일 편집</a:t>
             </a:r>
-            <a:endParaRPr lang="ko-KR" altLang="en-US"/>
           </a:p>
         </p:txBody>
       </p:sp>
@@ -1409,7 +1401,7 @@
           <a:p>
             <a:pPr lvl="0"/>
             <a:r>
-              <a:rPr lang="ko-KR" altLang="en-US" smtClean="0"/>
+              <a:rPr lang="ko-KR" altLang="en-US"/>
               <a:t>마스터 텍스트 스타일 편집</a:t>
             </a:r>
           </a:p>
@@ -1437,38 +1429,37 @@
           <a:p>
             <a:pPr lvl="0"/>
             <a:r>
-              <a:rPr lang="ko-KR" altLang="en-US" smtClean="0"/>
+              <a:rPr lang="ko-KR" altLang="en-US"/>
               <a:t>마스터 텍스트 스타일 편집</a:t>
             </a:r>
           </a:p>
           <a:p>
             <a:pPr lvl="1"/>
             <a:r>
-              <a:rPr lang="ko-KR" altLang="en-US" smtClean="0"/>
+              <a:rPr lang="ko-KR" altLang="en-US"/>
               <a:t>둘째 수준</a:t>
             </a:r>
           </a:p>
           <a:p>
             <a:pPr lvl="2"/>
             <a:r>
-              <a:rPr lang="ko-KR" altLang="en-US" smtClean="0"/>
+              <a:rPr lang="ko-KR" altLang="en-US"/>
               <a:t>셋째 수준</a:t>
             </a:r>
           </a:p>
           <a:p>
             <a:pPr lvl="3"/>
             <a:r>
-              <a:rPr lang="ko-KR" altLang="en-US" smtClean="0"/>
+              <a:rPr lang="ko-KR" altLang="en-US"/>
               <a:t>넷째 수준</a:t>
             </a:r>
           </a:p>
           <a:p>
             <a:pPr lvl="4"/>
             <a:r>
-              <a:rPr lang="ko-KR" altLang="en-US" smtClean="0"/>
+              <a:rPr lang="ko-KR" altLang="en-US"/>
               <a:t>다섯째 수준</a:t>
             </a:r>
-            <a:endParaRPr lang="ko-KR" altLang="en-US"/>
           </a:p>
         </p:txBody>
       </p:sp>
@@ -1531,7 +1522,7 @@
           <a:p>
             <a:pPr lvl="0"/>
             <a:r>
-              <a:rPr lang="ko-KR" altLang="en-US" smtClean="0"/>
+              <a:rPr lang="ko-KR" altLang="en-US"/>
               <a:t>마스터 텍스트 스타일 편집</a:t>
             </a:r>
           </a:p>
@@ -1559,38 +1550,37 @@
           <a:p>
             <a:pPr lvl="0"/>
             <a:r>
-              <a:rPr lang="ko-KR" altLang="en-US" smtClean="0"/>
+              <a:rPr lang="ko-KR" altLang="en-US"/>
               <a:t>마스터 텍스트 스타일 편집</a:t>
             </a:r>
           </a:p>
           <a:p>
             <a:pPr lvl="1"/>
             <a:r>
-              <a:rPr lang="ko-KR" altLang="en-US" smtClean="0"/>
+              <a:rPr lang="ko-KR" altLang="en-US"/>
               <a:t>둘째 수준</a:t>
             </a:r>
           </a:p>
           <a:p>
             <a:pPr lvl="2"/>
             <a:r>
-              <a:rPr lang="ko-KR" altLang="en-US" smtClean="0"/>
+              <a:rPr lang="ko-KR" altLang="en-US"/>
               <a:t>셋째 수준</a:t>
             </a:r>
           </a:p>
           <a:p>
             <a:pPr lvl="3"/>
             <a:r>
-              <a:rPr lang="ko-KR" altLang="en-US" smtClean="0"/>
+              <a:rPr lang="ko-KR" altLang="en-US"/>
               <a:t>넷째 수준</a:t>
             </a:r>
           </a:p>
           <a:p>
             <a:pPr lvl="4"/>
             <a:r>
-              <a:rPr lang="ko-KR" altLang="en-US" smtClean="0"/>
+              <a:rPr lang="ko-KR" altLang="en-US"/>
               <a:t>다섯째 수준</a:t>
             </a:r>
-            <a:endParaRPr lang="ko-KR" altLang="en-US"/>
           </a:p>
         </p:txBody>
       </p:sp>
@@ -1611,7 +1601,7 @@
           <a:p>
             <a:fld id="{49868E40-68B2-4524-8AD1-20964141A387}" type="datetimeFigureOut">
               <a:rPr lang="ko-KR" altLang="en-US" smtClean="0"/>
-              <a:t>2022-12-06</a:t>
+              <a:t>2022-12-26</a:t>
             </a:fld>
             <a:endParaRPr lang="ko-KR" altLang="en-US"/>
           </a:p>
@@ -1705,10 +1695,9 @@
           <a:lstStyle/>
           <a:p>
             <a:r>
-              <a:rPr lang="ko-KR" altLang="en-US" smtClean="0"/>
+              <a:rPr lang="ko-KR" altLang="en-US"/>
               <a:t>마스터 제목 스타일 편집</a:t>
             </a:r>
-            <a:endParaRPr lang="ko-KR" altLang="en-US"/>
           </a:p>
         </p:txBody>
       </p:sp>
@@ -1729,7 +1718,7 @@
           <a:p>
             <a:fld id="{49868E40-68B2-4524-8AD1-20964141A387}" type="datetimeFigureOut">
               <a:rPr lang="ko-KR" altLang="en-US" smtClean="0"/>
-              <a:t>2022-12-06</a:t>
+              <a:t>2022-12-26</a:t>
             </a:fld>
             <a:endParaRPr lang="ko-KR" altLang="en-US"/>
           </a:p>
@@ -1824,7 +1813,7 @@
           <a:p>
             <a:fld id="{49868E40-68B2-4524-8AD1-20964141A387}" type="datetimeFigureOut">
               <a:rPr lang="ko-KR" altLang="en-US" smtClean="0"/>
-              <a:t>2022-12-06</a:t>
+              <a:t>2022-12-26</a:t>
             </a:fld>
             <a:endParaRPr lang="ko-KR" altLang="en-US"/>
           </a:p>
@@ -1927,10 +1916,9 @@
           </a:lstStyle>
           <a:p>
             <a:r>
-              <a:rPr lang="ko-KR" altLang="en-US" smtClean="0"/>
+              <a:rPr lang="ko-KR" altLang="en-US"/>
               <a:t>마스터 제목 스타일 편집</a:t>
             </a:r>
-            <a:endParaRPr lang="ko-KR" altLang="en-US"/>
           </a:p>
         </p:txBody>
       </p:sp>
@@ -1984,38 +1972,37 @@
           <a:p>
             <a:pPr lvl="0"/>
             <a:r>
-              <a:rPr lang="ko-KR" altLang="en-US" smtClean="0"/>
+              <a:rPr lang="ko-KR" altLang="en-US"/>
               <a:t>마스터 텍스트 스타일 편집</a:t>
             </a:r>
           </a:p>
           <a:p>
             <a:pPr lvl="1"/>
             <a:r>
-              <a:rPr lang="ko-KR" altLang="en-US" smtClean="0"/>
+              <a:rPr lang="ko-KR" altLang="en-US"/>
               <a:t>둘째 수준</a:t>
             </a:r>
           </a:p>
           <a:p>
             <a:pPr lvl="2"/>
             <a:r>
-              <a:rPr lang="ko-KR" altLang="en-US" smtClean="0"/>
+              <a:rPr lang="ko-KR" altLang="en-US"/>
               <a:t>셋째 수준</a:t>
             </a:r>
           </a:p>
           <a:p>
             <a:pPr lvl="3"/>
             <a:r>
-              <a:rPr lang="ko-KR" altLang="en-US" smtClean="0"/>
+              <a:rPr lang="ko-KR" altLang="en-US"/>
               <a:t>넷째 수준</a:t>
             </a:r>
           </a:p>
           <a:p>
             <a:pPr lvl="4"/>
             <a:r>
-              <a:rPr lang="ko-KR" altLang="en-US" smtClean="0"/>
+              <a:rPr lang="ko-KR" altLang="en-US"/>
               <a:t>다섯째 수준</a:t>
             </a:r>
-            <a:endParaRPr lang="ko-KR" altLang="en-US"/>
           </a:p>
         </p:txBody>
       </p:sp>
@@ -2078,7 +2065,7 @@
           <a:p>
             <a:pPr lvl="0"/>
             <a:r>
-              <a:rPr lang="ko-KR" altLang="en-US" smtClean="0"/>
+              <a:rPr lang="ko-KR" altLang="en-US"/>
               <a:t>마스터 텍스트 스타일 편집</a:t>
             </a:r>
           </a:p>
@@ -2101,7 +2088,7 @@
           <a:p>
             <a:fld id="{49868E40-68B2-4524-8AD1-20964141A387}" type="datetimeFigureOut">
               <a:rPr lang="ko-KR" altLang="en-US" smtClean="0"/>
-              <a:t>2022-12-06</a:t>
+              <a:t>2022-12-26</a:t>
             </a:fld>
             <a:endParaRPr lang="ko-KR" altLang="en-US"/>
           </a:p>
@@ -2204,10 +2191,9 @@
           </a:lstStyle>
           <a:p>
             <a:r>
-              <a:rPr lang="ko-KR" altLang="en-US" smtClean="0"/>
+              <a:rPr lang="ko-KR" altLang="en-US"/>
               <a:t>마스터 제목 스타일 편집</a:t>
             </a:r>
-            <a:endParaRPr lang="ko-KR" altLang="en-US"/>
           </a:p>
         </p:txBody>
       </p:sp>
@@ -2331,7 +2317,7 @@
           <a:p>
             <a:pPr lvl="0"/>
             <a:r>
-              <a:rPr lang="ko-KR" altLang="en-US" smtClean="0"/>
+              <a:rPr lang="ko-KR" altLang="en-US"/>
               <a:t>마스터 텍스트 스타일 편집</a:t>
             </a:r>
           </a:p>
@@ -2354,7 +2340,7 @@
           <a:p>
             <a:fld id="{49868E40-68B2-4524-8AD1-20964141A387}" type="datetimeFigureOut">
               <a:rPr lang="ko-KR" altLang="en-US" smtClean="0"/>
-              <a:t>2022-12-06</a:t>
+              <a:t>2022-12-26</a:t>
             </a:fld>
             <a:endParaRPr lang="ko-KR" altLang="en-US"/>
           </a:p>
@@ -2463,10 +2449,9 @@
           <a:lstStyle/>
           <a:p>
             <a:r>
-              <a:rPr lang="ko-KR" altLang="en-US" smtClean="0"/>
+              <a:rPr lang="ko-KR" altLang="en-US"/>
               <a:t>마스터 제목 스타일 편집</a:t>
             </a:r>
-            <a:endParaRPr lang="ko-KR" altLang="en-US"/>
           </a:p>
         </p:txBody>
       </p:sp>
@@ -2497,38 +2482,37 @@
           <a:p>
             <a:pPr lvl="0"/>
             <a:r>
-              <a:rPr lang="ko-KR" altLang="en-US" smtClean="0"/>
+              <a:rPr lang="ko-KR" altLang="en-US"/>
               <a:t>마스터 텍스트 스타일 편집</a:t>
             </a:r>
           </a:p>
           <a:p>
             <a:pPr lvl="1"/>
             <a:r>
-              <a:rPr lang="ko-KR" altLang="en-US" smtClean="0"/>
+              <a:rPr lang="ko-KR" altLang="en-US"/>
               <a:t>둘째 수준</a:t>
             </a:r>
           </a:p>
           <a:p>
             <a:pPr lvl="2"/>
             <a:r>
-              <a:rPr lang="ko-KR" altLang="en-US" smtClean="0"/>
+              <a:rPr lang="ko-KR" altLang="en-US"/>
               <a:t>셋째 수준</a:t>
             </a:r>
           </a:p>
           <a:p>
             <a:pPr lvl="3"/>
             <a:r>
-              <a:rPr lang="ko-KR" altLang="en-US" smtClean="0"/>
+              <a:rPr lang="ko-KR" altLang="en-US"/>
               <a:t>넷째 수준</a:t>
             </a:r>
           </a:p>
           <a:p>
             <a:pPr lvl="4"/>
             <a:r>
-              <a:rPr lang="ko-KR" altLang="en-US" smtClean="0"/>
+              <a:rPr lang="ko-KR" altLang="en-US"/>
               <a:t>다섯째 수준</a:t>
             </a:r>
-            <a:endParaRPr lang="ko-KR" altLang="en-US"/>
           </a:p>
         </p:txBody>
       </p:sp>
@@ -2567,7 +2551,7 @@
           <a:p>
             <a:fld id="{49868E40-68B2-4524-8AD1-20964141A387}" type="datetimeFigureOut">
               <a:rPr lang="ko-KR" altLang="en-US" smtClean="0"/>
-              <a:t>2022-12-06</a:t>
+              <a:t>2022-12-26</a:t>
             </a:fld>
             <a:endParaRPr lang="ko-KR" altLang="en-US"/>
           </a:p>
@@ -2988,7 +2972,7 @@
         </p:blipFill>
         <p:spPr>
           <a:xfrm>
-            <a:off x="477721" y="0"/>
+            <a:off x="1740464" y="111269"/>
             <a:ext cx="4619625" cy="3429000"/>
           </a:xfrm>
           <a:prstGeom prst="rect">
@@ -3283,11 +3267,11 @@
           <a:lstStyle/>
           <a:p>
             <a:r>
-              <a:rPr lang="en-US" altLang="ko-KR" dirty="0" smtClean="0"/>
+              <a:rPr lang="en-US" altLang="ko-KR" dirty="0"/>
               <a:t>Regime1: 2,3,4,7,8,9,11,12,13,</a:t>
             </a:r>
             <a:r>
-              <a:rPr lang="en-US" altLang="ko-KR" u="sng" dirty="0" smtClean="0">
+              <a:rPr lang="en-US" altLang="ko-KR" u="sng" dirty="0">
                 <a:solidFill>
                   <a:srgbClr val="00B0F0"/>
                 </a:solidFill>
@@ -3295,25 +3279,25 @@
               <a:t>14</a:t>
             </a:r>
             <a:r>
-              <a:rPr lang="en-US" altLang="ko-KR" dirty="0" smtClean="0"/>
+              <a:rPr lang="en-US" altLang="ko-KR" dirty="0"/>
               <a:t>,15,17,20,21(14</a:t>
             </a:r>
             <a:r>
-              <a:rPr lang="ko-KR" altLang="en-US" dirty="0" smtClean="0"/>
+              <a:rPr lang="ko-KR" altLang="en-US" dirty="0"/>
               <a:t>개</a:t>
             </a:r>
             <a:r>
-              <a:rPr lang="en-US" altLang="ko-KR" dirty="0" smtClean="0"/>
+              <a:rPr lang="en-US" altLang="ko-KR" dirty="0"/>
               <a:t>)</a:t>
             </a:r>
           </a:p>
           <a:p>
             <a:r>
-              <a:rPr lang="en-US" altLang="ko-KR" dirty="0" smtClean="0"/>
+              <a:rPr lang="en-US" altLang="ko-KR" dirty="0"/>
               <a:t>14</a:t>
             </a:r>
             <a:r>
-              <a:rPr lang="ko-KR" altLang="en-US" dirty="0" smtClean="0"/>
+              <a:rPr lang="ko-KR" altLang="en-US" dirty="0"/>
               <a:t>번</a:t>
             </a:r>
             <a:r>
@@ -3321,10 +3305,10 @@
               <a:t> </a:t>
             </a:r>
             <a:r>
-              <a:rPr lang="ko-KR" altLang="en-US" dirty="0" smtClean="0"/>
+              <a:rPr lang="ko-KR" altLang="en-US" dirty="0"/>
               <a:t>추가됨</a:t>
             </a:r>
-            <a:endParaRPr lang="en-US" altLang="ko-KR" dirty="0" smtClean="0"/>
+            <a:endParaRPr lang="en-US" altLang="ko-KR" dirty="0"/>
           </a:p>
         </p:txBody>
       </p:sp>
@@ -3484,11 +3468,11 @@
           </a:p>
           <a:p>
             <a:r>
-              <a:rPr lang="en-US" altLang="ko-KR" dirty="0" smtClean="0"/>
+              <a:rPr lang="en-US" altLang="ko-KR" dirty="0"/>
               <a:t>Regime1: 2,3,4,7,8,9,11,12,13,</a:t>
             </a:r>
             <a:r>
-              <a:rPr lang="en-US" altLang="ko-KR" u="sng" dirty="0" smtClean="0">
+              <a:rPr lang="en-US" altLang="ko-KR" u="sng" dirty="0">
                 <a:solidFill>
                   <a:srgbClr val="00B0F0"/>
                 </a:solidFill>
@@ -3496,25 +3480,25 @@
               <a:t>14</a:t>
             </a:r>
             <a:r>
-              <a:rPr lang="en-US" altLang="ko-KR" dirty="0" smtClean="0"/>
+              <a:rPr lang="en-US" altLang="ko-KR" dirty="0"/>
               <a:t>,15,17,20,21(14</a:t>
             </a:r>
             <a:r>
-              <a:rPr lang="ko-KR" altLang="en-US" dirty="0" smtClean="0"/>
+              <a:rPr lang="ko-KR" altLang="en-US" dirty="0"/>
               <a:t>개</a:t>
             </a:r>
             <a:r>
-              <a:rPr lang="en-US" altLang="ko-KR" dirty="0" smtClean="0"/>
+              <a:rPr lang="en-US" altLang="ko-KR" dirty="0"/>
               <a:t>)</a:t>
             </a:r>
           </a:p>
           <a:p>
             <a:r>
-              <a:rPr lang="en-US" altLang="ko-KR" dirty="0" smtClean="0"/>
+              <a:rPr lang="en-US" altLang="ko-KR" dirty="0"/>
               <a:t>14</a:t>
             </a:r>
             <a:r>
-              <a:rPr lang="ko-KR" altLang="en-US" dirty="0" smtClean="0"/>
+              <a:rPr lang="ko-KR" altLang="en-US" dirty="0"/>
               <a:t>번</a:t>
             </a:r>
             <a:r>
@@ -3522,10 +3506,10 @@
               <a:t> </a:t>
             </a:r>
             <a:r>
-              <a:rPr lang="ko-KR" altLang="en-US" dirty="0" smtClean="0"/>
+              <a:rPr lang="ko-KR" altLang="en-US" dirty="0"/>
               <a:t>추가됨</a:t>
             </a:r>
-            <a:endParaRPr lang="en-US" altLang="ko-KR" dirty="0" smtClean="0"/>
+            <a:endParaRPr lang="en-US" altLang="ko-KR" dirty="0"/>
           </a:p>
         </p:txBody>
       </p:sp>
@@ -3651,18 +3635,18 @@
           <a:lstStyle/>
           <a:p>
             <a:r>
-              <a:rPr lang="ko-KR" altLang="en-US" dirty="0" err="1" smtClean="0"/>
+              <a:rPr lang="ko-KR" altLang="en-US" dirty="0" err="1"/>
               <a:t>수정후</a:t>
             </a:r>
-            <a:endParaRPr lang="en-US" altLang="ko-KR" dirty="0" smtClean="0"/>
-          </a:p>
-          <a:p>
-            <a:r>
-              <a:rPr lang="en-US" altLang="ko-KR" dirty="0" smtClean="0"/>
+            <a:endParaRPr lang="en-US" altLang="ko-KR" dirty="0"/>
+          </a:p>
+          <a:p>
+            <a:r>
+              <a:rPr lang="en-US" altLang="ko-KR" dirty="0"/>
               <a:t>Regime1:  2,3,4,</a:t>
             </a:r>
             <a:r>
-              <a:rPr lang="en-US" altLang="ko-KR" dirty="0" smtClean="0">
+              <a:rPr lang="en-US" altLang="ko-KR" dirty="0">
                 <a:solidFill>
                   <a:srgbClr val="00B0F0"/>
                 </a:solidFill>
@@ -3670,11 +3654,11 @@
               <a:t>8</a:t>
             </a:r>
             <a:r>
-              <a:rPr lang="en-US" altLang="ko-KR" dirty="0" smtClean="0"/>
+              <a:rPr lang="en-US" altLang="ko-KR" dirty="0"/>
               <a:t>,9,11,</a:t>
             </a:r>
             <a:r>
-              <a:rPr lang="en-US" altLang="ko-KR" dirty="0" smtClean="0">
+              <a:rPr lang="en-US" altLang="ko-KR" dirty="0">
                 <a:solidFill>
                   <a:srgbClr val="00B0F0"/>
                 </a:solidFill>
@@ -3682,10 +3666,9 @@
               <a:t>13,14</a:t>
             </a:r>
             <a:r>
-              <a:rPr lang="en-US" altLang="ko-KR" dirty="0" smtClean="0"/>
+              <a:rPr lang="en-US" altLang="ko-KR" dirty="0"/>
               <a:t>,15,17</a:t>
             </a:r>
-            <a:endParaRPr lang="en-US" altLang="ko-KR" dirty="0" smtClean="0"/>
           </a:p>
         </p:txBody>
       </p:sp>
@@ -3812,11 +3795,11 @@
           <a:lstStyle/>
           <a:p>
             <a:r>
-              <a:rPr lang="en-US" altLang="ko-KR" dirty="0" smtClean="0"/>
+              <a:rPr lang="en-US" altLang="ko-KR" dirty="0"/>
               <a:t>Regime2: 2,3,4,7,8,9,11,12,13,</a:t>
             </a:r>
             <a:r>
-              <a:rPr lang="en-US" altLang="ko-KR" u="sng" dirty="0" smtClean="0">
+              <a:rPr lang="en-US" altLang="ko-KR" u="sng" dirty="0">
                 <a:solidFill>
                   <a:srgbClr val="00B0F0"/>
                 </a:solidFill>
@@ -3824,28 +3807,27 @@
               <a:t>14</a:t>
             </a:r>
             <a:r>
-              <a:rPr lang="en-US" altLang="ko-KR" dirty="0" smtClean="0"/>
+              <a:rPr lang="en-US" altLang="ko-KR" dirty="0"/>
               <a:t>,15,17,20,21(14</a:t>
             </a:r>
             <a:r>
-              <a:rPr lang="ko-KR" altLang="en-US" dirty="0" smtClean="0"/>
+              <a:rPr lang="ko-KR" altLang="en-US" dirty="0"/>
               <a:t>개</a:t>
             </a:r>
             <a:r>
-              <a:rPr lang="en-US" altLang="ko-KR" dirty="0" smtClean="0"/>
+              <a:rPr lang="en-US" altLang="ko-KR" dirty="0"/>
               <a:t>)</a:t>
             </a:r>
           </a:p>
           <a:p>
             <a:r>
-              <a:rPr lang="en-US" altLang="ko-KR" dirty="0" smtClean="0"/>
+              <a:rPr lang="en-US" altLang="ko-KR" dirty="0"/>
               <a:t>:14</a:t>
             </a:r>
             <a:r>
-              <a:rPr lang="ko-KR" altLang="en-US" dirty="0" smtClean="0"/>
+              <a:rPr lang="ko-KR" altLang="en-US" dirty="0"/>
               <a:t>번은 있음</a:t>
             </a:r>
-            <a:endParaRPr lang="ko-KR" altLang="en-US" dirty="0"/>
           </a:p>
         </p:txBody>
       </p:sp>
@@ -4002,11 +3984,11 @@
           <a:lstStyle/>
           <a:p>
             <a:r>
-              <a:rPr lang="en-US" altLang="ko-KR" dirty="0" smtClean="0"/>
+              <a:rPr lang="en-US" altLang="ko-KR" dirty="0"/>
               <a:t>Regime3: 2,3,4,</a:t>
             </a:r>
             <a:r>
-              <a:rPr lang="en-US" altLang="ko-KR" u="sng" dirty="0" smtClean="0">
+              <a:rPr lang="en-US" altLang="ko-KR" u="sng" dirty="0">
                 <a:solidFill>
                   <a:srgbClr val="00B0F0"/>
                 </a:solidFill>
@@ -4014,11 +3996,11 @@
               <a:t>8</a:t>
             </a:r>
             <a:r>
-              <a:rPr lang="en-US" altLang="ko-KR" dirty="0" smtClean="0"/>
+              <a:rPr lang="en-US" altLang="ko-KR" dirty="0"/>
               <a:t>,9,11,</a:t>
             </a:r>
             <a:r>
-              <a:rPr lang="en-US" altLang="ko-KR" u="sng" dirty="0" smtClean="0">
+              <a:rPr lang="en-US" altLang="ko-KR" u="sng" dirty="0">
                 <a:solidFill>
                   <a:srgbClr val="00B0F0"/>
                 </a:solidFill>
@@ -4026,32 +4008,31 @@
               <a:t>12,13,14</a:t>
             </a:r>
             <a:r>
-              <a:rPr lang="en-US" altLang="ko-KR" dirty="0" smtClean="0"/>
+              <a:rPr lang="en-US" altLang="ko-KR" dirty="0"/>
               <a:t>,15,17 (11</a:t>
             </a:r>
             <a:r>
-              <a:rPr lang="ko-KR" altLang="en-US" dirty="0" smtClean="0"/>
+              <a:rPr lang="ko-KR" altLang="en-US" dirty="0"/>
               <a:t>개</a:t>
             </a:r>
             <a:r>
-              <a:rPr lang="en-US" altLang="ko-KR" dirty="0" smtClean="0"/>
+              <a:rPr lang="en-US" altLang="ko-KR" dirty="0"/>
               <a:t>)</a:t>
             </a:r>
           </a:p>
           <a:p>
             <a:r>
-              <a:rPr lang="ko-KR" altLang="en-US" dirty="0" smtClean="0"/>
+              <a:rPr lang="ko-KR" altLang="en-US" dirty="0"/>
               <a:t>위의 </a:t>
             </a:r>
             <a:r>
-              <a:rPr lang="en-US" altLang="ko-KR" dirty="0" smtClean="0"/>
+              <a:rPr lang="en-US" altLang="ko-KR" dirty="0"/>
               <a:t>4</a:t>
             </a:r>
             <a:r>
-              <a:rPr lang="ko-KR" altLang="en-US" dirty="0" smtClean="0"/>
+              <a:rPr lang="ko-KR" altLang="en-US" dirty="0"/>
               <a:t>개 더 있음</a:t>
             </a:r>
-            <a:endParaRPr lang="ko-KR" altLang="en-US" dirty="0"/>
           </a:p>
         </p:txBody>
       </p:sp>
@@ -4208,11 +4189,11 @@
           <a:lstStyle/>
           <a:p>
             <a:r>
-              <a:rPr lang="en-US" altLang="ko-KR" dirty="0" smtClean="0"/>
+              <a:rPr lang="en-US" altLang="ko-KR" dirty="0"/>
               <a:t>Regime4: 2,3,4,6,7,8,9,</a:t>
             </a:r>
             <a:r>
-              <a:rPr lang="en-US" altLang="ko-KR" u="sng" dirty="0" smtClean="0">
+              <a:rPr lang="en-US" altLang="ko-KR" u="sng" dirty="0">
                 <a:solidFill>
                   <a:srgbClr val="00B0F0"/>
                 </a:solidFill>
@@ -4220,28 +4201,27 @@
               <a:t>10</a:t>
             </a:r>
             <a:r>
-              <a:rPr lang="en-US" altLang="ko-KR" dirty="0" smtClean="0"/>
+              <a:rPr lang="en-US" altLang="ko-KR" dirty="0"/>
               <a:t>,11,12,13,14,15,16,17,20,21(16</a:t>
             </a:r>
             <a:r>
-              <a:rPr lang="ko-KR" altLang="en-US" dirty="0" smtClean="0"/>
+              <a:rPr lang="ko-KR" altLang="en-US" dirty="0"/>
               <a:t>개</a:t>
             </a:r>
             <a:r>
-              <a:rPr lang="en-US" altLang="ko-KR" dirty="0" smtClean="0"/>
+              <a:rPr lang="en-US" altLang="ko-KR" dirty="0"/>
               <a:t>)</a:t>
             </a:r>
           </a:p>
           <a:p>
             <a:r>
-              <a:rPr lang="en-US" altLang="ko-KR" dirty="0" smtClean="0"/>
+              <a:rPr lang="en-US" altLang="ko-KR" dirty="0"/>
               <a:t>10</a:t>
             </a:r>
             <a:r>
-              <a:rPr lang="ko-KR" altLang="en-US" dirty="0" smtClean="0"/>
+              <a:rPr lang="ko-KR" altLang="en-US" dirty="0"/>
               <a:t>번 추가됨</a:t>
             </a:r>
-            <a:endParaRPr lang="ko-KR" altLang="en-US" dirty="0"/>
           </a:p>
         </p:txBody>
       </p:sp>
@@ -4398,11 +4378,11 @@
           <a:lstStyle/>
           <a:p>
             <a:r>
-              <a:rPr lang="en-US" altLang="ko-KR" dirty="0" smtClean="0"/>
+              <a:rPr lang="en-US" altLang="ko-KR" dirty="0"/>
               <a:t>Regime5: 2,3,4,6,7,8,9,11,12,13,</a:t>
             </a:r>
             <a:r>
-              <a:rPr lang="en-US" altLang="ko-KR" u="sng" dirty="0" smtClean="0">
+              <a:rPr lang="en-US" altLang="ko-KR" u="sng" dirty="0">
                 <a:solidFill>
                   <a:srgbClr val="00B0F0"/>
                 </a:solidFill>
@@ -4410,28 +4390,27 @@
               <a:t>14</a:t>
             </a:r>
             <a:r>
-              <a:rPr lang="en-US" altLang="ko-KR" dirty="0" smtClean="0"/>
+              <a:rPr lang="en-US" altLang="ko-KR" dirty="0"/>
               <a:t>,15,17,20,21(15</a:t>
             </a:r>
             <a:r>
-              <a:rPr lang="ko-KR" altLang="en-US" dirty="0" smtClean="0"/>
+              <a:rPr lang="ko-KR" altLang="en-US" dirty="0"/>
               <a:t>개</a:t>
             </a:r>
             <a:r>
-              <a:rPr lang="en-US" altLang="ko-KR" dirty="0" smtClean="0"/>
+              <a:rPr lang="en-US" altLang="ko-KR" dirty="0"/>
               <a:t>)</a:t>
             </a:r>
           </a:p>
           <a:p>
             <a:r>
-              <a:rPr lang="en-US" altLang="ko-KR" dirty="0" smtClean="0"/>
+              <a:rPr lang="en-US" altLang="ko-KR" dirty="0"/>
               <a:t>14</a:t>
             </a:r>
             <a:r>
-              <a:rPr lang="ko-KR" altLang="en-US" dirty="0" smtClean="0"/>
+              <a:rPr lang="ko-KR" altLang="en-US" dirty="0"/>
               <a:t>번 추가됨</a:t>
             </a:r>
-            <a:endParaRPr lang="ko-KR" altLang="en-US" dirty="0"/>
           </a:p>
         </p:txBody>
       </p:sp>
@@ -4588,11 +4567,11 @@
           <a:lstStyle/>
           <a:p>
             <a:r>
-              <a:rPr lang="en-US" altLang="ko-KR" dirty="0" smtClean="0"/>
+              <a:rPr lang="en-US" altLang="ko-KR" dirty="0"/>
               <a:t>Regime6: 2,3,4,</a:t>
             </a:r>
             <a:r>
-              <a:rPr lang="en-US" altLang="ko-KR" dirty="0" smtClean="0">
+              <a:rPr lang="en-US" altLang="ko-KR" dirty="0">
                 <a:solidFill>
                   <a:srgbClr val="00B0F0"/>
                 </a:solidFill>
@@ -4600,11 +4579,11 @@
               <a:t>8</a:t>
             </a:r>
             <a:r>
-              <a:rPr lang="en-US" altLang="ko-KR" dirty="0" smtClean="0"/>
+              <a:rPr lang="en-US" altLang="ko-KR" dirty="0"/>
               <a:t>,9,11,</a:t>
             </a:r>
             <a:r>
-              <a:rPr lang="en-US" altLang="ko-KR" dirty="0" smtClean="0">
+              <a:rPr lang="en-US" altLang="ko-KR" dirty="0">
                 <a:solidFill>
                   <a:srgbClr val="00B0F0"/>
                 </a:solidFill>
@@ -4612,28 +4591,27 @@
               <a:t>13,14</a:t>
             </a:r>
             <a:r>
-              <a:rPr lang="en-US" altLang="ko-KR" dirty="0" smtClean="0"/>
+              <a:rPr lang="en-US" altLang="ko-KR" dirty="0"/>
               <a:t>,15,17(10</a:t>
             </a:r>
             <a:r>
-              <a:rPr lang="ko-KR" altLang="en-US" dirty="0" smtClean="0"/>
+              <a:rPr lang="ko-KR" altLang="en-US" dirty="0"/>
               <a:t>개</a:t>
             </a:r>
             <a:r>
-              <a:rPr lang="en-US" altLang="ko-KR" dirty="0" smtClean="0"/>
+              <a:rPr lang="en-US" altLang="ko-KR" dirty="0"/>
               <a:t>)</a:t>
             </a:r>
           </a:p>
           <a:p>
             <a:r>
-              <a:rPr lang="en-US" altLang="ko-KR" dirty="0" smtClean="0"/>
+              <a:rPr lang="en-US" altLang="ko-KR" dirty="0"/>
               <a:t>8,13,14</a:t>
             </a:r>
             <a:r>
-              <a:rPr lang="ko-KR" altLang="en-US" dirty="0" smtClean="0"/>
+              <a:rPr lang="ko-KR" altLang="en-US" dirty="0"/>
               <a:t>번 추가됨</a:t>
             </a:r>
-            <a:endParaRPr lang="ko-KR" altLang="en-US" dirty="0"/>
           </a:p>
         </p:txBody>
       </p:sp>
